--- a/dscJavascript.pptx
+++ b/dscJavascript.pptx
@@ -7013,7 +7013,7 @@
       </p:grpSpPr>
       <p:sp>
         <p:nvSpPr>
-          <p:cNvPr id="183" name="CustomShape 1"/>
+          <p:cNvPr id="186" name="CustomShape 1"/>
           <p:cNvSpPr/>
           <p:nvPr/>
         </p:nvSpPr>
@@ -7063,7 +7063,7 @@
       </p:sp>
       <p:sp>
         <p:nvSpPr>
-          <p:cNvPr id="184" name="CustomShape 2"/>
+          <p:cNvPr id="187" name="CustomShape 2"/>
           <p:cNvSpPr/>
           <p:nvPr/>
         </p:nvSpPr>
@@ -7217,7 +7217,7 @@
       </p:grpSpPr>
       <p:sp>
         <p:nvSpPr>
-          <p:cNvPr id="185" name="CustomShape 1"/>
+          <p:cNvPr id="188" name="CustomShape 1"/>
           <p:cNvSpPr/>
           <p:nvPr/>
         </p:nvSpPr>
@@ -7267,7 +7267,7 @@
       </p:sp>
       <p:sp>
         <p:nvSpPr>
-          <p:cNvPr id="186" name="CustomShape 2"/>
+          <p:cNvPr id="189" name="CustomShape 2"/>
           <p:cNvSpPr/>
           <p:nvPr/>
         </p:nvSpPr>
@@ -7485,7 +7485,7 @@
       </p:grpSpPr>
       <p:sp>
         <p:nvSpPr>
-          <p:cNvPr id="187" name="CustomShape 1"/>
+          <p:cNvPr id="190" name="CustomShape 1"/>
           <p:cNvSpPr/>
           <p:nvPr/>
         </p:nvSpPr>
@@ -7592,7 +7592,7 @@
       </p:grpSpPr>
       <p:sp>
         <p:nvSpPr>
-          <p:cNvPr id="188" name="CustomShape 1"/>
+          <p:cNvPr id="191" name="CustomShape 1"/>
           <p:cNvSpPr/>
           <p:nvPr/>
         </p:nvSpPr>
@@ -7673,6 +7673,25 @@
                 <a:spcPct val="100000"/>
               </a:lnSpc>
             </a:pPr>
+            <a:endParaRPr b="0" lang="en-IN" sz="2600" spc="-1" strike="noStrike">
+              <a:latin typeface="Arial"/>
+            </a:endParaRPr>
+          </a:p>
+          <a:p>
+            <a:pPr>
+              <a:lnSpc>
+                <a:spcPct val="100000"/>
+              </a:lnSpc>
+            </a:pPr>
+            <a:r>
+              <a:rPr b="0" lang="en-IN" sz="2600" spc="-1" strike="noStrike">
+                <a:solidFill>
+                  <a:srgbClr val="1c1c1c"/>
+                </a:solidFill>
+                <a:latin typeface="Source Sans Pro Light"/>
+              </a:rPr>
+              <a:t>https://github.com/thisHermit/dscJavascriptSlides</a:t>
+            </a:r>
             <a:endParaRPr b="0" lang="en-IN" sz="2600" spc="-1" strike="noStrike">
               <a:latin typeface="Arial"/>
             </a:endParaRPr>
@@ -7824,7 +7843,7 @@
         <p:spPr>
           <a:xfrm>
             <a:off x="360000" y="1980000"/>
-            <a:ext cx="9179640" cy="4679640"/>
+            <a:ext cx="4536000" cy="4679640"/>
           </a:xfrm>
           <a:prstGeom prst="rect">
             <a:avLst/>
@@ -7845,19 +7864,13 @@
             <a:normAutofit/>
           </a:bodyPr>
           <a:p>
-            <a:pPr marL="216000" indent="-215640">
+            <a:pPr>
               <a:lnSpc>
                 <a:spcPct val="100000"/>
               </a:lnSpc>
               <a:spcAft>
                 <a:spcPts val="1142"/>
               </a:spcAft>
-              <a:buClr>
-                <a:srgbClr val="000000"/>
-              </a:buClr>
-              <a:buSzPct val="45000"/>
-              <a:buFont typeface="Wingdings" charset="2"/>
-              <a:buChar char=""/>
             </a:pPr>
             <a:r>
               <a:rPr b="1" lang="en-IN" sz="2600" spc="-1" strike="noStrike">
@@ -7926,6 +7939,193 @@
             </a:r>
             <a:endParaRPr b="0" lang="en-IN" sz="2600" spc="-1" strike="noStrike">
               <a:latin typeface="Arial"/>
+            </a:endParaRPr>
+          </a:p>
+        </p:txBody>
+      </p:sp>
+      <p:sp>
+        <p:nvSpPr>
+          <p:cNvPr id="169" name="TextShape 3"/>
+          <p:cNvSpPr txBox="1"/>
+          <p:nvPr/>
+        </p:nvSpPr>
+        <p:spPr>
+          <a:xfrm>
+            <a:off x="1008000" y="1525680"/>
+            <a:ext cx="1573560" cy="346320"/>
+          </a:xfrm>
+          <a:prstGeom prst="rect">
+            <a:avLst/>
+          </a:prstGeom>
+          <a:noFill/>
+          <a:ln>
+            <a:noFill/>
+          </a:ln>
+        </p:spPr>
+        <p:txBody>
+          <a:bodyPr lIns="90000" rIns="90000" tIns="45000" bIns="45000">
+            <a:spAutoFit/>
+          </a:bodyPr>
+          <a:p>
+            <a:r>
+              <a:rPr b="0" lang="en-IN" sz="1800" spc="-1" strike="noStrike">
+                <a:latin typeface="Arial"/>
+              </a:rPr>
+              <a:t>Non-technical</a:t>
+            </a:r>
+            <a:endParaRPr b="0" lang="en-IN" sz="1800" spc="-1" strike="noStrike">
+              <a:latin typeface="Arial"/>
+            </a:endParaRPr>
+          </a:p>
+        </p:txBody>
+      </p:sp>
+      <p:sp>
+        <p:nvSpPr>
+          <p:cNvPr id="170" name="TextShape 4"/>
+          <p:cNvSpPr txBox="1"/>
+          <p:nvPr/>
+        </p:nvSpPr>
+        <p:spPr>
+          <a:xfrm>
+            <a:off x="6789960" y="1512000"/>
+            <a:ext cx="1130040" cy="346320"/>
+          </a:xfrm>
+          <a:prstGeom prst="rect">
+            <a:avLst/>
+          </a:prstGeom>
+          <a:noFill/>
+          <a:ln>
+            <a:noFill/>
+          </a:ln>
+        </p:spPr>
+        <p:txBody>
+          <a:bodyPr lIns="90000" rIns="90000" tIns="45000" bIns="45000">
+            <a:spAutoFit/>
+          </a:bodyPr>
+          <a:p>
+            <a:r>
+              <a:rPr b="0" lang="en-IN" sz="1800" spc="-1" strike="noStrike">
+                <a:latin typeface="Arial"/>
+              </a:rPr>
+              <a:t>Technical</a:t>
+            </a:r>
+            <a:endParaRPr b="0" lang="en-IN" sz="1800" spc="-1" strike="noStrike">
+              <a:latin typeface="Arial"/>
+            </a:endParaRPr>
+          </a:p>
+        </p:txBody>
+      </p:sp>
+      <p:sp>
+        <p:nvSpPr>
+          <p:cNvPr id="171" name="TextShape 5"/>
+          <p:cNvSpPr txBox="1"/>
+          <p:nvPr/>
+        </p:nvSpPr>
+        <p:spPr>
+          <a:xfrm>
+            <a:off x="5112000" y="1827000"/>
+            <a:ext cx="4647600" cy="4840200"/>
+          </a:xfrm>
+          <a:prstGeom prst="rect">
+            <a:avLst/>
+          </a:prstGeom>
+          <a:noFill/>
+          <a:ln>
+            <a:noFill/>
+          </a:ln>
+        </p:spPr>
+        <p:txBody>
+          <a:bodyPr lIns="0" rIns="0" tIns="0" bIns="0">
+            <a:spAutoFit/>
+          </a:bodyPr>
+          <a:p>
+            <a:r>
+              <a:rPr b="1" lang="en-IN" sz="2400" spc="-1" strike="noStrike">
+                <a:solidFill>
+                  <a:srgbClr val="1c1c1c"/>
+                </a:solidFill>
+                <a:latin typeface="Source Sans Pro Semibold"/>
+              </a:rPr>
+              <a:t>JavaScript was designed to add interactivity to HTML pages.</a:t>
+            </a:r>
+            <a:endParaRPr b="1" lang="en-IN" sz="2400" spc="-1" strike="noStrike">
+              <a:solidFill>
+                <a:srgbClr val="1c1c1c"/>
+              </a:solidFill>
+              <a:latin typeface="Source Sans Pro Semibold"/>
+              <a:ea typeface="Noto Sans CJK SC Regular"/>
+            </a:endParaRPr>
+          </a:p>
+          <a:p>
+            <a:r>
+              <a:rPr b="1" lang="en-IN" sz="2400" spc="-1" strike="noStrike">
+                <a:solidFill>
+                  <a:srgbClr val="1c1c1c"/>
+                </a:solidFill>
+                <a:latin typeface="Source Sans Pro Semibold"/>
+              </a:rPr>
+              <a:t>Its a scripting language (basically means light weight)</a:t>
+            </a:r>
+            <a:endParaRPr b="1" lang="en-IN" sz="2400" spc="-1" strike="noStrike">
+              <a:solidFill>
+                <a:srgbClr val="1c1c1c"/>
+              </a:solidFill>
+              <a:latin typeface="Source Sans Pro Semibold"/>
+              <a:ea typeface="Noto Sans CJK SC Regular"/>
+            </a:endParaRPr>
+          </a:p>
+          <a:p>
+            <a:r>
+              <a:rPr b="1" lang="en-IN" sz="2400" spc="-1" strike="noStrike">
+                <a:solidFill>
+                  <a:srgbClr val="1c1c1c"/>
+                </a:solidFill>
+                <a:latin typeface="Source Sans Pro Semibold"/>
+              </a:rPr>
+              <a:t>Usually directly embedded into HTML pages</a:t>
+            </a:r>
+            <a:endParaRPr b="1" lang="en-IN" sz="2400" spc="-1" strike="noStrike">
+              <a:solidFill>
+                <a:srgbClr val="1c1c1c"/>
+              </a:solidFill>
+              <a:latin typeface="Source Sans Pro Semibold"/>
+              <a:ea typeface="Noto Sans CJK SC Regular"/>
+            </a:endParaRPr>
+          </a:p>
+          <a:p>
+            <a:r>
+              <a:rPr b="1" lang="en-IN" sz="2400" spc="-1" strike="noStrike">
+                <a:solidFill>
+                  <a:srgbClr val="1c1c1c"/>
+                </a:solidFill>
+                <a:latin typeface="Source Sans Pro Semibold"/>
+              </a:rPr>
+              <a:t>Javascript is an interpreted language (no compilation errors!)</a:t>
+            </a:r>
+            <a:endParaRPr b="1" lang="en-IN" sz="2400" spc="-1" strike="noStrike">
+              <a:solidFill>
+                <a:srgbClr val="1c1c1c"/>
+              </a:solidFill>
+              <a:latin typeface="Source Sans Pro Semibold"/>
+              <a:ea typeface="Noto Sans CJK SC Regular"/>
+            </a:endParaRPr>
+          </a:p>
+          <a:p>
+            <a:r>
+              <a:rPr b="1" lang="en-IN" sz="2400" spc="-1" strike="noStrike">
+                <a:solidFill>
+                  <a:srgbClr val="1c1c1c"/>
+                </a:solidFill>
+                <a:latin typeface="Source Sans Pro Semibold"/>
+              </a:rPr>
+              <a:t>Free for all!</a:t>
+            </a:r>
+            <a:endParaRPr b="1" lang="en-IN" sz="2400" spc="-1" strike="noStrike">
+              <a:solidFill>
+                <a:srgbClr val="1c1c1c"/>
+              </a:solidFill>
+              <a:latin typeface="Source Sans Pro Semibold"/>
+              <a:ea typeface="Noto Sans CJK SC Regular"/>
             </a:endParaRPr>
           </a:p>
         </p:txBody>
@@ -7989,7 +8189,7 @@
       </p:grpSpPr>
       <p:sp>
         <p:nvSpPr>
-          <p:cNvPr id="169" name="CustomShape 1"/>
+          <p:cNvPr id="172" name="CustomShape 1"/>
           <p:cNvSpPr/>
           <p:nvPr/>
         </p:nvSpPr>
@@ -8039,7 +8239,7 @@
       </p:sp>
       <p:sp>
         <p:nvSpPr>
-          <p:cNvPr id="170" name="CustomShape 2"/>
+          <p:cNvPr id="173" name="CustomShape 2"/>
           <p:cNvSpPr/>
           <p:nvPr/>
         </p:nvSpPr>
@@ -8211,7 +8411,7 @@
       </p:grpSpPr>
       <p:sp>
         <p:nvSpPr>
-          <p:cNvPr id="171" name="CustomShape 1"/>
+          <p:cNvPr id="174" name="CustomShape 1"/>
           <p:cNvSpPr/>
           <p:nvPr/>
         </p:nvSpPr>
@@ -8261,7 +8461,7 @@
       </p:sp>
       <p:sp>
         <p:nvSpPr>
-          <p:cNvPr id="172" name="CustomShape 2"/>
+          <p:cNvPr id="175" name="CustomShape 2"/>
           <p:cNvSpPr/>
           <p:nvPr/>
         </p:nvSpPr>
@@ -8415,7 +8615,7 @@
       </p:grpSpPr>
       <p:sp>
         <p:nvSpPr>
-          <p:cNvPr id="173" name="CustomShape 1"/>
+          <p:cNvPr id="176" name="CustomShape 1"/>
           <p:cNvSpPr/>
           <p:nvPr/>
         </p:nvSpPr>
@@ -8465,7 +8665,7 @@
       </p:sp>
       <p:sp>
         <p:nvSpPr>
-          <p:cNvPr id="174" name="CustomShape 2"/>
+          <p:cNvPr id="177" name="CustomShape 2"/>
           <p:cNvSpPr/>
           <p:nvPr/>
         </p:nvSpPr>
@@ -8609,7 +8809,7 @@
       </p:grpSpPr>
       <p:sp>
         <p:nvSpPr>
-          <p:cNvPr id="175" name="CustomShape 1"/>
+          <p:cNvPr id="178" name="CustomShape 1"/>
           <p:cNvSpPr/>
           <p:nvPr/>
         </p:nvSpPr>
@@ -8659,7 +8859,7 @@
       </p:sp>
       <p:sp>
         <p:nvSpPr>
-          <p:cNvPr id="176" name="CustomShape 2"/>
+          <p:cNvPr id="179" name="CustomShape 2"/>
           <p:cNvSpPr/>
           <p:nvPr/>
         </p:nvSpPr>
@@ -8803,7 +9003,7 @@
       </p:grpSpPr>
       <p:sp>
         <p:nvSpPr>
-          <p:cNvPr id="177" name="CustomShape 1"/>
+          <p:cNvPr id="180" name="CustomShape 1"/>
           <p:cNvSpPr/>
           <p:nvPr/>
         </p:nvSpPr>
@@ -8853,7 +9053,7 @@
       </p:sp>
       <p:sp>
         <p:nvSpPr>
-          <p:cNvPr id="178" name="CustomShape 2"/>
+          <p:cNvPr id="181" name="CustomShape 2"/>
           <p:cNvSpPr/>
           <p:nvPr/>
         </p:nvSpPr>
@@ -9095,7 +9295,7 @@
       </p:grpSpPr>
       <p:sp>
         <p:nvSpPr>
-          <p:cNvPr id="179" name="CustomShape 1"/>
+          <p:cNvPr id="182" name="CustomShape 1"/>
           <p:cNvSpPr/>
           <p:nvPr/>
         </p:nvSpPr>
@@ -9145,7 +9345,7 @@
       </p:sp>
       <p:sp>
         <p:nvSpPr>
-          <p:cNvPr id="180" name="CustomShape 2"/>
+          <p:cNvPr id="183" name="CustomShape 2"/>
           <p:cNvSpPr/>
           <p:nvPr/>
         </p:nvSpPr>
@@ -9222,7 +9422,7 @@
                 <a:spcPct val="100000"/>
               </a:lnSpc>
               <a:spcAft>
-                <a:spcPts val="1142"/>
+                <a:spcPts val="1134"/>
               </a:spcAft>
             </a:pPr>
             <a:r>
@@ -9299,7 +9499,7 @@
       </p:grpSpPr>
       <p:sp>
         <p:nvSpPr>
-          <p:cNvPr id="181" name="CustomShape 1"/>
+          <p:cNvPr id="184" name="CustomShape 1"/>
           <p:cNvSpPr/>
           <p:nvPr/>
         </p:nvSpPr>
@@ -9349,7 +9549,7 @@
       </p:sp>
       <p:sp>
         <p:nvSpPr>
-          <p:cNvPr id="182" name="CustomShape 2"/>
+          <p:cNvPr id="185" name="CustomShape 2"/>
           <p:cNvSpPr/>
           <p:nvPr/>
         </p:nvSpPr>
@@ -9414,7 +9614,29 @@
                 </a:solidFill>
                 <a:latin typeface="Source Sans Pro Semibold"/>
               </a:rPr>
-              <a:t>prompt(“?”);  </a:t>
+              <a:t>prompt(“Enter some words”);</a:t>
+            </a:r>
+            <a:endParaRPr b="0" lang="en-IN" sz="2600" spc="-1" strike="noStrike">
+              <a:latin typeface="Arial"/>
+            </a:endParaRPr>
+          </a:p>
+          <a:p>
+            <a:pPr>
+              <a:lnSpc>
+                <a:spcPct val="100000"/>
+              </a:lnSpc>
+              <a:spcAft>
+                <a:spcPts val="1142"/>
+              </a:spcAft>
+            </a:pPr>
+            <a:r>
+              <a:rPr b="1" lang="en-IN" sz="2600" spc="-1" strike="noStrike">
+                <a:solidFill>
+                  <a:srgbClr val="1c1c1c"/>
+                </a:solidFill>
+                <a:latin typeface="Source Sans Pro Semibold"/>
+              </a:rPr>
+              <a:t>confirm(“Press this button”);   </a:t>
             </a:r>
             <a:endParaRPr b="0" lang="en-IN" sz="2600" spc="-1" strike="noStrike">
               <a:latin typeface="Arial"/>
